--- a/Assignment_2/Assignment_2_presentation.pptx
+++ b/Assignment_2/Assignment_2_presentation.pptx
@@ -5,7 +5,7 @@
     <p:sldMasterId id="2147483672" r:id="rId1"/>
   </p:sldMasterIdLst>
   <p:notesMasterIdLst>
-    <p:notesMasterId r:id="rId26"/>
+    <p:notesMasterId r:id="rId27"/>
   </p:notesMasterIdLst>
   <p:sldIdLst>
     <p:sldId id="256" r:id="rId2"/>
@@ -32,33 +32,34 @@
     <p:sldId id="316" r:id="rId23"/>
     <p:sldId id="314" r:id="rId24"/>
     <p:sldId id="317" r:id="rId25"/>
+    <p:sldId id="328" r:id="rId26"/>
   </p:sldIdLst>
   <p:sldSz cx="9144000" cy="5143500" type="screen16x9"/>
   <p:notesSz cx="6858000" cy="9144000"/>
   <p:embeddedFontLst>
     <p:embeddedFont>
       <p:font typeface="Oswald" panose="00000500000000000000" pitchFamily="2" charset="0"/>
-      <p:regular r:id="rId27"/>
-      <p:bold r:id="rId28"/>
+      <p:regular r:id="rId28"/>
+      <p:bold r:id="rId29"/>
     </p:embeddedFont>
     <p:embeddedFont>
       <p:font typeface="Raleway" pitchFamily="2" charset="0"/>
-      <p:regular r:id="rId29"/>
-      <p:bold r:id="rId30"/>
-      <p:italic r:id="rId31"/>
-      <p:boldItalic r:id="rId32"/>
+      <p:regular r:id="rId30"/>
+      <p:bold r:id="rId31"/>
+      <p:italic r:id="rId32"/>
+      <p:boldItalic r:id="rId33"/>
     </p:embeddedFont>
     <p:embeddedFont>
       <p:font typeface="Roboto" panose="02000000000000000000" pitchFamily="2" charset="0"/>
-      <p:regular r:id="rId33"/>
-      <p:bold r:id="rId34"/>
-      <p:italic r:id="rId35"/>
-      <p:boldItalic r:id="rId36"/>
+      <p:regular r:id="rId34"/>
+      <p:bold r:id="rId35"/>
+      <p:italic r:id="rId36"/>
+      <p:boldItalic r:id="rId37"/>
     </p:embeddedFont>
     <p:embeddedFont>
       <p:font typeface="Roboto Condensed Light" panose="02000000000000000000" pitchFamily="2" charset="0"/>
-      <p:regular r:id="rId37"/>
-      <p:italic r:id="rId38"/>
+      <p:regular r:id="rId38"/>
+      <p:italic r:id="rId39"/>
     </p:embeddedFont>
   </p:embeddedFontLst>
   <p:defaultTextStyle>
@@ -2548,6 +2549,115 @@
     <p:extLst>
       <p:ext uri="{BB962C8B-B14F-4D97-AF65-F5344CB8AC3E}">
         <p14:creationId xmlns:p14="http://schemas.microsoft.com/office/powerpoint/2010/main" val="2190648634"/>
+      </p:ext>
+    </p:extLst>
+  </p:cSld>
+  <p:clrMapOvr>
+    <a:masterClrMapping/>
+  </p:clrMapOvr>
+</p:notes>
+</file>
+
+<file path=ppt/notesSlides/notesSlide25.xml><?xml version="1.0" encoding="utf-8"?>
+<p:notes xmlns:a="http://schemas.openxmlformats.org/drawingml/2006/main" xmlns:r="http://schemas.openxmlformats.org/officeDocument/2006/relationships" xmlns:p="http://schemas.openxmlformats.org/presentationml/2006/main" showMasterSp="0" showMasterPhAnim="0">
+  <p:cSld>
+    <p:spTree>
+      <p:nvGrpSpPr>
+        <p:cNvPr id="1" name="Shape 919"/>
+        <p:cNvGrpSpPr/>
+        <p:nvPr/>
+      </p:nvGrpSpPr>
+      <p:grpSpPr>
+        <a:xfrm>
+          <a:off x="0" y="0"/>
+          <a:ext cx="0" cy="0"/>
+          <a:chOff x="0" y="0"/>
+          <a:chExt cx="0" cy="0"/>
+        </a:xfrm>
+      </p:grpSpPr>
+      <p:sp>
+        <p:nvSpPr>
+          <p:cNvPr id="920" name="Google Shape;920;g8c2221473c_0_366:notes"/>
+          <p:cNvSpPr>
+            <a:spLocks noGrp="1" noRot="1" noChangeAspect="1"/>
+          </p:cNvSpPr>
+          <p:nvPr>
+            <p:ph type="sldImg" idx="2"/>
+          </p:nvPr>
+        </p:nvSpPr>
+        <p:spPr>
+          <a:xfrm>
+            <a:off x="381000" y="685800"/>
+            <a:ext cx="6096000" cy="3429000"/>
+          </a:xfrm>
+          <a:custGeom>
+            <a:avLst/>
+            <a:gdLst/>
+            <a:ahLst/>
+            <a:cxnLst/>
+            <a:rect l="l" t="t" r="r" b="b"/>
+            <a:pathLst>
+              <a:path w="120000" h="120000" extrusionOk="0">
+                <a:moveTo>
+                  <a:pt x="0" y="0"/>
+                </a:moveTo>
+                <a:lnTo>
+                  <a:pt x="120000" y="0"/>
+                </a:lnTo>
+                <a:lnTo>
+                  <a:pt x="120000" y="120000"/>
+                </a:lnTo>
+                <a:lnTo>
+                  <a:pt x="0" y="120000"/>
+                </a:lnTo>
+                <a:close/>
+              </a:path>
+            </a:pathLst>
+          </a:custGeom>
+        </p:spPr>
+      </p:sp>
+      <p:sp>
+        <p:nvSpPr>
+          <p:cNvPr id="921" name="Google Shape;921;g8c2221473c_0_366:notes"/>
+          <p:cNvSpPr txBox="1">
+            <a:spLocks noGrp="1"/>
+          </p:cNvSpPr>
+          <p:nvPr>
+            <p:ph type="body" idx="1"/>
+          </p:nvPr>
+        </p:nvSpPr>
+        <p:spPr>
+          <a:xfrm>
+            <a:off x="685800" y="4343400"/>
+            <a:ext cx="5486400" cy="4114800"/>
+          </a:xfrm>
+          <a:prstGeom prst="rect">
+            <a:avLst/>
+          </a:prstGeom>
+        </p:spPr>
+        <p:txBody>
+          <a:bodyPr spcFirstLastPara="1" wrap="square" lIns="91425" tIns="91425" rIns="91425" bIns="91425" anchor="t" anchorCtr="0">
+            <a:noAutofit/>
+          </a:bodyPr>
+          <a:lstStyle/>
+          <a:p>
+            <a:pPr marL="0" lvl="0" indent="0" algn="l" rtl="0">
+              <a:spcBef>
+                <a:spcPts val="0"/>
+              </a:spcBef>
+              <a:spcAft>
+                <a:spcPts val="0"/>
+              </a:spcAft>
+              <a:buNone/>
+            </a:pPr>
+            <a:endParaRPr/>
+          </a:p>
+        </p:txBody>
+      </p:sp>
+    </p:spTree>
+    <p:extLst>
+      <p:ext uri="{BB962C8B-B14F-4D97-AF65-F5344CB8AC3E}">
+        <p14:creationId xmlns:p14="http://schemas.microsoft.com/office/powerpoint/2010/main" val="1780026793"/>
       </p:ext>
     </p:extLst>
   </p:cSld>
@@ -33542,25 +33652,8 @@
                 <a:latin typeface="Oswald"/>
                 <a:sym typeface="Oswald"/>
               </a:rPr>
-              <a:t>Dashboard </a:t>
+              <a:t>Dashboard state diagram</a:t>
             </a:r>
-            <a:r>
-              <a:rPr lang="en-US" sz="2800">
-                <a:solidFill>
-                  <a:schemeClr val="dk1"/>
-                </a:solidFill>
-                <a:latin typeface="Oswald"/>
-                <a:sym typeface="Oswald"/>
-              </a:rPr>
-              <a:t>state diagram</a:t>
-            </a:r>
-            <a:endParaRPr lang="en-US" sz="2800" dirty="0">
-              <a:solidFill>
-                <a:schemeClr val="dk1"/>
-              </a:solidFill>
-              <a:latin typeface="Oswald"/>
-              <a:sym typeface="Oswald"/>
-            </a:endParaRPr>
           </a:p>
         </p:txBody>
       </p:sp>
@@ -33594,6 +33687,83 @@
           <a:chExt cx="0" cy="0"/>
         </a:xfrm>
       </p:grpSpPr>
+      <p:pic>
+        <p:nvPicPr>
+          <p:cNvPr id="3" name="Picture 2">
+            <a:extLst>
+              <a:ext uri="{FF2B5EF4-FFF2-40B4-BE49-F238E27FC236}">
+                <a16:creationId xmlns:a16="http://schemas.microsoft.com/office/drawing/2014/main" id="{A6F9BEF1-193D-4872-9729-E0F51EA2D8DE}"/>
+              </a:ext>
+            </a:extLst>
+          </p:cNvPr>
+          <p:cNvPicPr>
+            <a:picLocks noChangeAspect="1"/>
+          </p:cNvPicPr>
+          <p:nvPr/>
+        </p:nvPicPr>
+        <p:blipFill>
+          <a:blip r:embed="rId3"/>
+          <a:stretch>
+            <a:fillRect/>
+          </a:stretch>
+        </p:blipFill>
+        <p:spPr>
+          <a:xfrm>
+            <a:off x="2396588" y="815549"/>
+            <a:ext cx="3798023" cy="3837133"/>
+          </a:xfrm>
+          <a:prstGeom prst="rect">
+            <a:avLst/>
+          </a:prstGeom>
+        </p:spPr>
+      </p:pic>
+      <p:sp>
+        <p:nvSpPr>
+          <p:cNvPr id="4" name="TextBox 3">
+            <a:extLst>
+              <a:ext uri="{FF2B5EF4-FFF2-40B4-BE49-F238E27FC236}">
+                <a16:creationId xmlns:a16="http://schemas.microsoft.com/office/drawing/2014/main" id="{1C42E86F-E208-4027-B0EE-63F0E904BBEB}"/>
+              </a:ext>
+            </a:extLst>
+          </p:cNvPr>
+          <p:cNvSpPr txBox="1"/>
+          <p:nvPr/>
+        </p:nvSpPr>
+        <p:spPr>
+          <a:xfrm>
+            <a:off x="242047" y="203066"/>
+            <a:ext cx="8328212" cy="523220"/>
+          </a:xfrm>
+          <a:prstGeom prst="rect">
+            <a:avLst/>
+          </a:prstGeom>
+          <a:noFill/>
+        </p:spPr>
+        <p:txBody>
+          <a:bodyPr wrap="square">
+            <a:spAutoFit/>
+          </a:bodyPr>
+          <a:lstStyle/>
+          <a:p>
+            <a:pPr>
+              <a:buClr>
+                <a:schemeClr val="dk1"/>
+              </a:buClr>
+              <a:buSzPts val="2800"/>
+            </a:pPr>
+            <a:r>
+              <a:rPr lang="en-US" sz="2800" dirty="0">
+                <a:solidFill>
+                  <a:schemeClr val="dk1"/>
+                </a:solidFill>
+                <a:latin typeface="Oswald"/>
+                <a:sym typeface="Oswald"/>
+              </a:rPr>
+              <a:t>Game state diagram</a:t>
+            </a:r>
+          </a:p>
+        </p:txBody>
+      </p:sp>
     </p:spTree>
     <p:extLst>
       <p:ext uri="{BB962C8B-B14F-4D97-AF65-F5344CB8AC3E}">
@@ -37268,6 +37438,172 @@
     <p:extLst>
       <p:ext uri="{BB962C8B-B14F-4D97-AF65-F5344CB8AC3E}">
         <p14:creationId xmlns:p14="http://schemas.microsoft.com/office/powerpoint/2010/main" val="2722166822"/>
+      </p:ext>
+    </p:extLst>
+  </p:cSld>
+  <p:clrMapOvr>
+    <a:masterClrMapping/>
+  </p:clrMapOvr>
+</p:sld>
+</file>
+
+<file path=ppt/slides/slide25.xml><?xml version="1.0" encoding="utf-8"?>
+<p:sld xmlns:a="http://schemas.openxmlformats.org/drawingml/2006/main" xmlns:r="http://schemas.openxmlformats.org/officeDocument/2006/relationships" xmlns:p="http://schemas.openxmlformats.org/presentationml/2006/main">
+  <p:cSld>
+    <p:spTree>
+      <p:nvGrpSpPr>
+        <p:cNvPr id="1" name="Shape 922"/>
+        <p:cNvGrpSpPr/>
+        <p:nvPr/>
+      </p:nvGrpSpPr>
+      <p:grpSpPr>
+        <a:xfrm>
+          <a:off x="0" y="0"/>
+          <a:ext cx="0" cy="0"/>
+          <a:chOff x="0" y="0"/>
+          <a:chExt cx="0" cy="0"/>
+        </a:xfrm>
+      </p:grpSpPr>
+      <p:sp>
+        <p:nvSpPr>
+          <p:cNvPr id="5" name="Google Shape;708;p29">
+            <a:extLst>
+              <a:ext uri="{FF2B5EF4-FFF2-40B4-BE49-F238E27FC236}">
+                <a16:creationId xmlns:a16="http://schemas.microsoft.com/office/drawing/2014/main" id="{3BC179D5-501B-4053-B17E-07CC64B1AF6B}"/>
+              </a:ext>
+            </a:extLst>
+          </p:cNvPr>
+          <p:cNvSpPr txBox="1">
+            <a:spLocks noGrp="1"/>
+          </p:cNvSpPr>
+          <p:nvPr>
+            <p:ph type="title"/>
+          </p:nvPr>
+        </p:nvSpPr>
+        <p:spPr>
+          <a:xfrm>
+            <a:off x="720000" y="540000"/>
+            <a:ext cx="7704000" cy="572700"/>
+          </a:xfrm>
+          <a:prstGeom prst="rect">
+            <a:avLst/>
+          </a:prstGeom>
+        </p:spPr>
+        <p:txBody>
+          <a:bodyPr spcFirstLastPara="1" wrap="square" lIns="91425" tIns="91425" rIns="91425" bIns="91425" anchor="t" anchorCtr="0">
+            <a:noAutofit/>
+          </a:bodyPr>
+          <a:lstStyle/>
+          <a:p>
+            <a:pPr marL="0" lvl="0" indent="0" algn="l" rtl="0">
+              <a:spcBef>
+                <a:spcPts val="0"/>
+              </a:spcBef>
+              <a:spcAft>
+                <a:spcPts val="0"/>
+              </a:spcAft>
+              <a:buNone/>
+            </a:pPr>
+            <a:r>
+              <a:rPr lang="en-US" sz="2800" dirty="0">
+                <a:cs typeface="Arial"/>
+                <a:sym typeface="Arial"/>
+              </a:rPr>
+              <a:t>UI screens</a:t>
+            </a:r>
+            <a:endParaRPr sz="2800" dirty="0">
+              <a:cs typeface="Arial"/>
+              <a:sym typeface="Arial"/>
+            </a:endParaRPr>
+          </a:p>
+        </p:txBody>
+      </p:sp>
+      <p:pic>
+        <p:nvPicPr>
+          <p:cNvPr id="6" name="Picture 5" descr="Graphical user interface, application&#10;&#10;Description automatically generated">
+            <a:extLst>
+              <a:ext uri="{FF2B5EF4-FFF2-40B4-BE49-F238E27FC236}">
+                <a16:creationId xmlns:a16="http://schemas.microsoft.com/office/drawing/2014/main" id="{C959EAE6-CC1E-4F48-9073-739B0F4EC727}"/>
+              </a:ext>
+            </a:extLst>
+          </p:cNvPr>
+          <p:cNvPicPr>
+            <a:picLocks noChangeAspect="1"/>
+          </p:cNvPicPr>
+          <p:nvPr/>
+        </p:nvPicPr>
+        <p:blipFill>
+          <a:blip r:embed="rId3" cstate="print">
+            <a:extLst>
+              <a:ext uri="{28A0092B-C50C-407E-A947-70E740481C1C}">
+                <a14:useLocalDpi xmlns:a14="http://schemas.microsoft.com/office/drawing/2010/main" val="0"/>
+              </a:ext>
+            </a:extLst>
+          </a:blip>
+          <a:srcRect/>
+          <a:stretch>
+            <a:fillRect/>
+          </a:stretch>
+        </p:blipFill>
+        <p:spPr bwMode="auto">
+          <a:xfrm>
+            <a:off x="4726395" y="1144020"/>
+            <a:ext cx="3697605" cy="3459480"/>
+          </a:xfrm>
+          <a:prstGeom prst="rect">
+            <a:avLst/>
+          </a:prstGeom>
+          <a:noFill/>
+          <a:ln>
+            <a:noFill/>
+          </a:ln>
+        </p:spPr>
+      </p:pic>
+      <p:pic>
+        <p:nvPicPr>
+          <p:cNvPr id="7" name="Picture 6" descr="Graphical user interface, application&#10;&#10;Description automatically generated">
+            <a:extLst>
+              <a:ext uri="{FF2B5EF4-FFF2-40B4-BE49-F238E27FC236}">
+                <a16:creationId xmlns:a16="http://schemas.microsoft.com/office/drawing/2014/main" id="{3DAA9E0D-B46F-4B51-8416-AE343F22B7B4}"/>
+              </a:ext>
+            </a:extLst>
+          </p:cNvPr>
+          <p:cNvPicPr>
+            <a:picLocks noChangeAspect="1"/>
+          </p:cNvPicPr>
+          <p:nvPr/>
+        </p:nvPicPr>
+        <p:blipFill>
+          <a:blip r:embed="rId4">
+            <a:extLst>
+              <a:ext uri="{28A0092B-C50C-407E-A947-70E740481C1C}">
+                <a14:useLocalDpi xmlns:a14="http://schemas.microsoft.com/office/drawing/2010/main" val="0"/>
+              </a:ext>
+            </a:extLst>
+          </a:blip>
+          <a:srcRect/>
+          <a:stretch>
+            <a:fillRect/>
+          </a:stretch>
+        </p:blipFill>
+        <p:spPr bwMode="auto">
+          <a:xfrm>
+            <a:off x="1526241" y="1112700"/>
+            <a:ext cx="2362200" cy="3741420"/>
+          </a:xfrm>
+          <a:prstGeom prst="rect">
+            <a:avLst/>
+          </a:prstGeom>
+          <a:noFill/>
+          <a:ln>
+            <a:noFill/>
+          </a:ln>
+        </p:spPr>
+      </p:pic>
+    </p:spTree>
+    <p:extLst>
+      <p:ext uri="{BB962C8B-B14F-4D97-AF65-F5344CB8AC3E}">
+        <p14:creationId xmlns:p14="http://schemas.microsoft.com/office/powerpoint/2010/main" val="1223961026"/>
       </p:ext>
     </p:extLst>
   </p:cSld>

--- a/Assignment_2/Assignment_2_presentation.pptx
+++ b/Assignment_2/Assignment_2_presentation.pptx
@@ -5,7 +5,7 @@
     <p:sldMasterId id="2147483672" r:id="rId1"/>
   </p:sldMasterIdLst>
   <p:notesMasterIdLst>
-    <p:notesMasterId r:id="rId27"/>
+    <p:notesMasterId r:id="rId29"/>
   </p:notesMasterIdLst>
   <p:sldIdLst>
     <p:sldId id="256" r:id="rId2"/>
@@ -33,33 +33,35 @@
     <p:sldId id="314" r:id="rId24"/>
     <p:sldId id="317" r:id="rId25"/>
     <p:sldId id="328" r:id="rId26"/>
+    <p:sldId id="329" r:id="rId27"/>
+    <p:sldId id="330" r:id="rId28"/>
   </p:sldIdLst>
   <p:sldSz cx="9144000" cy="5143500" type="screen16x9"/>
   <p:notesSz cx="6858000" cy="9144000"/>
   <p:embeddedFontLst>
     <p:embeddedFont>
       <p:font typeface="Oswald" panose="00000500000000000000" pitchFamily="2" charset="0"/>
-      <p:regular r:id="rId28"/>
-      <p:bold r:id="rId29"/>
+      <p:regular r:id="rId30"/>
+      <p:bold r:id="rId31"/>
     </p:embeddedFont>
     <p:embeddedFont>
       <p:font typeface="Raleway" pitchFamily="2" charset="0"/>
-      <p:regular r:id="rId30"/>
-      <p:bold r:id="rId31"/>
-      <p:italic r:id="rId32"/>
-      <p:boldItalic r:id="rId33"/>
+      <p:regular r:id="rId32"/>
+      <p:bold r:id="rId33"/>
+      <p:italic r:id="rId34"/>
+      <p:boldItalic r:id="rId35"/>
     </p:embeddedFont>
     <p:embeddedFont>
       <p:font typeface="Roboto" panose="02000000000000000000" pitchFamily="2" charset="0"/>
-      <p:regular r:id="rId34"/>
-      <p:bold r:id="rId35"/>
-      <p:italic r:id="rId36"/>
-      <p:boldItalic r:id="rId37"/>
+      <p:regular r:id="rId36"/>
+      <p:bold r:id="rId37"/>
+      <p:italic r:id="rId38"/>
+      <p:boldItalic r:id="rId39"/>
     </p:embeddedFont>
     <p:embeddedFont>
       <p:font typeface="Roboto Condensed Light" panose="02000000000000000000" pitchFamily="2" charset="0"/>
-      <p:regular r:id="rId38"/>
-      <p:italic r:id="rId39"/>
+      <p:regular r:id="rId40"/>
+      <p:italic r:id="rId41"/>
     </p:embeddedFont>
   </p:embeddedFontLst>
   <p:defaultTextStyle>
@@ -2658,6 +2660,224 @@
     <p:extLst>
       <p:ext uri="{BB962C8B-B14F-4D97-AF65-F5344CB8AC3E}">
         <p14:creationId xmlns:p14="http://schemas.microsoft.com/office/powerpoint/2010/main" val="1780026793"/>
+      </p:ext>
+    </p:extLst>
+  </p:cSld>
+  <p:clrMapOvr>
+    <a:masterClrMapping/>
+  </p:clrMapOvr>
+</p:notes>
+</file>
+
+<file path=ppt/notesSlides/notesSlide26.xml><?xml version="1.0" encoding="utf-8"?>
+<p:notes xmlns:a="http://schemas.openxmlformats.org/drawingml/2006/main" xmlns:r="http://schemas.openxmlformats.org/officeDocument/2006/relationships" xmlns:p="http://schemas.openxmlformats.org/presentationml/2006/main" showMasterSp="0" showMasterPhAnim="0">
+  <p:cSld>
+    <p:spTree>
+      <p:nvGrpSpPr>
+        <p:cNvPr id="1" name="Shape 919"/>
+        <p:cNvGrpSpPr/>
+        <p:nvPr/>
+      </p:nvGrpSpPr>
+      <p:grpSpPr>
+        <a:xfrm>
+          <a:off x="0" y="0"/>
+          <a:ext cx="0" cy="0"/>
+          <a:chOff x="0" y="0"/>
+          <a:chExt cx="0" cy="0"/>
+        </a:xfrm>
+      </p:grpSpPr>
+      <p:sp>
+        <p:nvSpPr>
+          <p:cNvPr id="920" name="Google Shape;920;g8c2221473c_0_366:notes"/>
+          <p:cNvSpPr>
+            <a:spLocks noGrp="1" noRot="1" noChangeAspect="1"/>
+          </p:cNvSpPr>
+          <p:nvPr>
+            <p:ph type="sldImg" idx="2"/>
+          </p:nvPr>
+        </p:nvSpPr>
+        <p:spPr>
+          <a:xfrm>
+            <a:off x="381000" y="685800"/>
+            <a:ext cx="6096000" cy="3429000"/>
+          </a:xfrm>
+          <a:custGeom>
+            <a:avLst/>
+            <a:gdLst/>
+            <a:ahLst/>
+            <a:cxnLst/>
+            <a:rect l="l" t="t" r="r" b="b"/>
+            <a:pathLst>
+              <a:path w="120000" h="120000" extrusionOk="0">
+                <a:moveTo>
+                  <a:pt x="0" y="0"/>
+                </a:moveTo>
+                <a:lnTo>
+                  <a:pt x="120000" y="0"/>
+                </a:lnTo>
+                <a:lnTo>
+                  <a:pt x="120000" y="120000"/>
+                </a:lnTo>
+                <a:lnTo>
+                  <a:pt x="0" y="120000"/>
+                </a:lnTo>
+                <a:close/>
+              </a:path>
+            </a:pathLst>
+          </a:custGeom>
+        </p:spPr>
+      </p:sp>
+      <p:sp>
+        <p:nvSpPr>
+          <p:cNvPr id="921" name="Google Shape;921;g8c2221473c_0_366:notes"/>
+          <p:cNvSpPr txBox="1">
+            <a:spLocks noGrp="1"/>
+          </p:cNvSpPr>
+          <p:nvPr>
+            <p:ph type="body" idx="1"/>
+          </p:nvPr>
+        </p:nvSpPr>
+        <p:spPr>
+          <a:xfrm>
+            <a:off x="685800" y="4343400"/>
+            <a:ext cx="5486400" cy="4114800"/>
+          </a:xfrm>
+          <a:prstGeom prst="rect">
+            <a:avLst/>
+          </a:prstGeom>
+        </p:spPr>
+        <p:txBody>
+          <a:bodyPr spcFirstLastPara="1" wrap="square" lIns="91425" tIns="91425" rIns="91425" bIns="91425" anchor="t" anchorCtr="0">
+            <a:noAutofit/>
+          </a:bodyPr>
+          <a:lstStyle/>
+          <a:p>
+            <a:pPr marL="0" lvl="0" indent="0" algn="l" rtl="0">
+              <a:spcBef>
+                <a:spcPts val="0"/>
+              </a:spcBef>
+              <a:spcAft>
+                <a:spcPts val="0"/>
+              </a:spcAft>
+              <a:buNone/>
+            </a:pPr>
+            <a:endParaRPr/>
+          </a:p>
+        </p:txBody>
+      </p:sp>
+    </p:spTree>
+    <p:extLst>
+      <p:ext uri="{BB962C8B-B14F-4D97-AF65-F5344CB8AC3E}">
+        <p14:creationId xmlns:p14="http://schemas.microsoft.com/office/powerpoint/2010/main" val="4231360861"/>
+      </p:ext>
+    </p:extLst>
+  </p:cSld>
+  <p:clrMapOvr>
+    <a:masterClrMapping/>
+  </p:clrMapOvr>
+</p:notes>
+</file>
+
+<file path=ppt/notesSlides/notesSlide27.xml><?xml version="1.0" encoding="utf-8"?>
+<p:notes xmlns:a="http://schemas.openxmlformats.org/drawingml/2006/main" xmlns:r="http://schemas.openxmlformats.org/officeDocument/2006/relationships" xmlns:p="http://schemas.openxmlformats.org/presentationml/2006/main" showMasterSp="0" showMasterPhAnim="0">
+  <p:cSld>
+    <p:spTree>
+      <p:nvGrpSpPr>
+        <p:cNvPr id="1" name="Shape 919"/>
+        <p:cNvGrpSpPr/>
+        <p:nvPr/>
+      </p:nvGrpSpPr>
+      <p:grpSpPr>
+        <a:xfrm>
+          <a:off x="0" y="0"/>
+          <a:ext cx="0" cy="0"/>
+          <a:chOff x="0" y="0"/>
+          <a:chExt cx="0" cy="0"/>
+        </a:xfrm>
+      </p:grpSpPr>
+      <p:sp>
+        <p:nvSpPr>
+          <p:cNvPr id="920" name="Google Shape;920;g8c2221473c_0_366:notes"/>
+          <p:cNvSpPr>
+            <a:spLocks noGrp="1" noRot="1" noChangeAspect="1"/>
+          </p:cNvSpPr>
+          <p:nvPr>
+            <p:ph type="sldImg" idx="2"/>
+          </p:nvPr>
+        </p:nvSpPr>
+        <p:spPr>
+          <a:xfrm>
+            <a:off x="381000" y="685800"/>
+            <a:ext cx="6096000" cy="3429000"/>
+          </a:xfrm>
+          <a:custGeom>
+            <a:avLst/>
+            <a:gdLst/>
+            <a:ahLst/>
+            <a:cxnLst/>
+            <a:rect l="l" t="t" r="r" b="b"/>
+            <a:pathLst>
+              <a:path w="120000" h="120000" extrusionOk="0">
+                <a:moveTo>
+                  <a:pt x="0" y="0"/>
+                </a:moveTo>
+                <a:lnTo>
+                  <a:pt x="120000" y="0"/>
+                </a:lnTo>
+                <a:lnTo>
+                  <a:pt x="120000" y="120000"/>
+                </a:lnTo>
+                <a:lnTo>
+                  <a:pt x="0" y="120000"/>
+                </a:lnTo>
+                <a:close/>
+              </a:path>
+            </a:pathLst>
+          </a:custGeom>
+        </p:spPr>
+      </p:sp>
+      <p:sp>
+        <p:nvSpPr>
+          <p:cNvPr id="921" name="Google Shape;921;g8c2221473c_0_366:notes"/>
+          <p:cNvSpPr txBox="1">
+            <a:spLocks noGrp="1"/>
+          </p:cNvSpPr>
+          <p:nvPr>
+            <p:ph type="body" idx="1"/>
+          </p:nvPr>
+        </p:nvSpPr>
+        <p:spPr>
+          <a:xfrm>
+            <a:off x="685800" y="4343400"/>
+            <a:ext cx="5486400" cy="4114800"/>
+          </a:xfrm>
+          <a:prstGeom prst="rect">
+            <a:avLst/>
+          </a:prstGeom>
+        </p:spPr>
+        <p:txBody>
+          <a:bodyPr spcFirstLastPara="1" wrap="square" lIns="91425" tIns="91425" rIns="91425" bIns="91425" anchor="t" anchorCtr="0">
+            <a:noAutofit/>
+          </a:bodyPr>
+          <a:lstStyle/>
+          <a:p>
+            <a:pPr marL="0" lvl="0" indent="0" algn="l" rtl="0">
+              <a:spcBef>
+                <a:spcPts val="0"/>
+              </a:spcBef>
+              <a:spcAft>
+                <a:spcPts val="0"/>
+              </a:spcAft>
+              <a:buNone/>
+            </a:pPr>
+            <a:endParaRPr/>
+          </a:p>
+        </p:txBody>
+      </p:sp>
+    </p:spTree>
+    <p:extLst>
+      <p:ext uri="{BB962C8B-B14F-4D97-AF65-F5344CB8AC3E}">
+        <p14:creationId xmlns:p14="http://schemas.microsoft.com/office/powerpoint/2010/main" val="1553965748"/>
       </p:ext>
     </p:extLst>
   </p:cSld>
@@ -32964,8 +33184,8 @@
         </p:blipFill>
         <p:spPr bwMode="auto">
           <a:xfrm>
-            <a:off x="2859741" y="289307"/>
-            <a:ext cx="5961530" cy="4564885"/>
+            <a:off x="2689411" y="375549"/>
+            <a:ext cx="4249271" cy="4564885"/>
           </a:xfrm>
           <a:prstGeom prst="rect">
             <a:avLst/>
@@ -33598,8 +33818,8 @@
         </p:blipFill>
         <p:spPr bwMode="auto">
           <a:xfrm>
-            <a:off x="1267460" y="842682"/>
-            <a:ext cx="7419340" cy="4159400"/>
+            <a:off x="1730188" y="726286"/>
+            <a:ext cx="5253318" cy="4159400"/>
           </a:xfrm>
           <a:prstGeom prst="rect">
             <a:avLst/>
@@ -37604,6 +37824,1361 @@
     <p:extLst>
       <p:ext uri="{BB962C8B-B14F-4D97-AF65-F5344CB8AC3E}">
         <p14:creationId xmlns:p14="http://schemas.microsoft.com/office/powerpoint/2010/main" val="1223961026"/>
+      </p:ext>
+    </p:extLst>
+  </p:cSld>
+  <p:clrMapOvr>
+    <a:masterClrMapping/>
+  </p:clrMapOvr>
+</p:sld>
+</file>
+
+<file path=ppt/slides/slide26.xml><?xml version="1.0" encoding="utf-8"?>
+<p:sld xmlns:a="http://schemas.openxmlformats.org/drawingml/2006/main" xmlns:r="http://schemas.openxmlformats.org/officeDocument/2006/relationships" xmlns:p="http://schemas.openxmlformats.org/presentationml/2006/main">
+  <p:cSld>
+    <p:spTree>
+      <p:nvGrpSpPr>
+        <p:cNvPr id="1" name="Shape 922"/>
+        <p:cNvGrpSpPr/>
+        <p:nvPr/>
+      </p:nvGrpSpPr>
+      <p:grpSpPr>
+        <a:xfrm>
+          <a:off x="0" y="0"/>
+          <a:ext cx="0" cy="0"/>
+          <a:chOff x="0" y="0"/>
+          <a:chExt cx="0" cy="0"/>
+        </a:xfrm>
+      </p:grpSpPr>
+      <p:sp>
+        <p:nvSpPr>
+          <p:cNvPr id="5" name="Google Shape;708;p29">
+            <a:extLst>
+              <a:ext uri="{FF2B5EF4-FFF2-40B4-BE49-F238E27FC236}">
+                <a16:creationId xmlns:a16="http://schemas.microsoft.com/office/drawing/2014/main" id="{3BC179D5-501B-4053-B17E-07CC64B1AF6B}"/>
+              </a:ext>
+            </a:extLst>
+          </p:cNvPr>
+          <p:cNvSpPr txBox="1">
+            <a:spLocks noGrp="1"/>
+          </p:cNvSpPr>
+          <p:nvPr>
+            <p:ph type="title"/>
+          </p:nvPr>
+        </p:nvSpPr>
+        <p:spPr>
+          <a:xfrm>
+            <a:off x="720000" y="540000"/>
+            <a:ext cx="7704000" cy="572700"/>
+          </a:xfrm>
+          <a:prstGeom prst="rect">
+            <a:avLst/>
+          </a:prstGeom>
+        </p:spPr>
+        <p:txBody>
+          <a:bodyPr spcFirstLastPara="1" wrap="square" lIns="91425" tIns="91425" rIns="91425" bIns="91425" anchor="t" anchorCtr="0">
+            <a:noAutofit/>
+          </a:bodyPr>
+          <a:lstStyle/>
+          <a:p>
+            <a:pPr marL="0" lvl="0" indent="0" algn="l" rtl="0">
+              <a:spcBef>
+                <a:spcPts val="0"/>
+              </a:spcBef>
+              <a:spcAft>
+                <a:spcPts val="0"/>
+              </a:spcAft>
+              <a:buNone/>
+            </a:pPr>
+            <a:r>
+              <a:rPr lang="en-US" sz="2800" dirty="0">
+                <a:cs typeface="Arial"/>
+                <a:sym typeface="Arial"/>
+              </a:rPr>
+              <a:t>Resources</a:t>
+            </a:r>
+            <a:endParaRPr sz="2800" dirty="0">
+              <a:cs typeface="Arial"/>
+              <a:sym typeface="Arial"/>
+            </a:endParaRPr>
+          </a:p>
+        </p:txBody>
+      </p:sp>
+      <p:sp>
+        <p:nvSpPr>
+          <p:cNvPr id="8" name="Google Shape;711;p29">
+            <a:extLst>
+              <a:ext uri="{FF2B5EF4-FFF2-40B4-BE49-F238E27FC236}">
+                <a16:creationId xmlns:a16="http://schemas.microsoft.com/office/drawing/2014/main" id="{0802AC61-56AA-4664-B5DA-942C0053E680}"/>
+              </a:ext>
+            </a:extLst>
+          </p:cNvPr>
+          <p:cNvSpPr txBox="1">
+            <a:spLocks/>
+          </p:cNvSpPr>
+          <p:nvPr/>
+        </p:nvSpPr>
+        <p:spPr>
+          <a:xfrm>
+            <a:off x="720000" y="1581939"/>
+            <a:ext cx="7437882" cy="629100"/>
+          </a:xfrm>
+          <a:prstGeom prst="rect">
+            <a:avLst/>
+          </a:prstGeom>
+        </p:spPr>
+        <p:txBody>
+          <a:bodyPr spcFirstLastPara="1" wrap="square" lIns="91425" tIns="91425" rIns="91425" bIns="91425" anchor="t" anchorCtr="0">
+            <a:noAutofit/>
+          </a:bodyPr>
+          <a:lstStyle>
+            <a:defPPr marR="0" lvl="0" algn="l" rtl="0">
+              <a:lnSpc>
+                <a:spcPct val="100000"/>
+              </a:lnSpc>
+              <a:spcBef>
+                <a:spcPts val="0"/>
+              </a:spcBef>
+              <a:spcAft>
+                <a:spcPts val="0"/>
+              </a:spcAft>
+            </a:defPPr>
+            <a:lvl1pPr marR="0" lvl="0" algn="l" rtl="0">
+              <a:lnSpc>
+                <a:spcPct val="100000"/>
+              </a:lnSpc>
+              <a:spcBef>
+                <a:spcPts val="0"/>
+              </a:spcBef>
+              <a:spcAft>
+                <a:spcPts val="0"/>
+              </a:spcAft>
+              <a:buClr>
+                <a:srgbClr val="000000"/>
+              </a:buClr>
+              <a:buFont typeface="Arial"/>
+              <a:defRPr sz="1400" b="0" i="0" u="none" strike="noStrike" cap="none">
+                <a:solidFill>
+                  <a:srgbClr val="000000"/>
+                </a:solidFill>
+                <a:latin typeface="Arial"/>
+                <a:ea typeface="Arial"/>
+                <a:cs typeface="Arial"/>
+                <a:sym typeface="Arial"/>
+              </a:defRPr>
+            </a:lvl1pPr>
+            <a:lvl2pPr marR="0" lvl="1" algn="l" rtl="0">
+              <a:lnSpc>
+                <a:spcPct val="100000"/>
+              </a:lnSpc>
+              <a:spcBef>
+                <a:spcPts val="0"/>
+              </a:spcBef>
+              <a:spcAft>
+                <a:spcPts val="0"/>
+              </a:spcAft>
+              <a:buClr>
+                <a:srgbClr val="000000"/>
+              </a:buClr>
+              <a:buFont typeface="Arial"/>
+              <a:defRPr sz="1400" b="0" i="0" u="none" strike="noStrike" cap="none">
+                <a:solidFill>
+                  <a:srgbClr val="000000"/>
+                </a:solidFill>
+                <a:latin typeface="Arial"/>
+                <a:ea typeface="Arial"/>
+                <a:cs typeface="Arial"/>
+                <a:sym typeface="Arial"/>
+              </a:defRPr>
+            </a:lvl2pPr>
+            <a:lvl3pPr marR="0" lvl="2" algn="l" rtl="0">
+              <a:lnSpc>
+                <a:spcPct val="100000"/>
+              </a:lnSpc>
+              <a:spcBef>
+                <a:spcPts val="0"/>
+              </a:spcBef>
+              <a:spcAft>
+                <a:spcPts val="0"/>
+              </a:spcAft>
+              <a:buClr>
+                <a:srgbClr val="000000"/>
+              </a:buClr>
+              <a:buFont typeface="Arial"/>
+              <a:defRPr sz="1400" b="0" i="0" u="none" strike="noStrike" cap="none">
+                <a:solidFill>
+                  <a:srgbClr val="000000"/>
+                </a:solidFill>
+                <a:latin typeface="Arial"/>
+                <a:ea typeface="Arial"/>
+                <a:cs typeface="Arial"/>
+                <a:sym typeface="Arial"/>
+              </a:defRPr>
+            </a:lvl3pPr>
+            <a:lvl4pPr marR="0" lvl="3" algn="l" rtl="0">
+              <a:lnSpc>
+                <a:spcPct val="100000"/>
+              </a:lnSpc>
+              <a:spcBef>
+                <a:spcPts val="0"/>
+              </a:spcBef>
+              <a:spcAft>
+                <a:spcPts val="0"/>
+              </a:spcAft>
+              <a:buClr>
+                <a:srgbClr val="000000"/>
+              </a:buClr>
+              <a:buFont typeface="Arial"/>
+              <a:defRPr sz="1400" b="0" i="0" u="none" strike="noStrike" cap="none">
+                <a:solidFill>
+                  <a:srgbClr val="000000"/>
+                </a:solidFill>
+                <a:latin typeface="Arial"/>
+                <a:ea typeface="Arial"/>
+                <a:cs typeface="Arial"/>
+                <a:sym typeface="Arial"/>
+              </a:defRPr>
+            </a:lvl4pPr>
+            <a:lvl5pPr marR="0" lvl="4" algn="l" rtl="0">
+              <a:lnSpc>
+                <a:spcPct val="100000"/>
+              </a:lnSpc>
+              <a:spcBef>
+                <a:spcPts val="0"/>
+              </a:spcBef>
+              <a:spcAft>
+                <a:spcPts val="0"/>
+              </a:spcAft>
+              <a:buClr>
+                <a:srgbClr val="000000"/>
+              </a:buClr>
+              <a:buFont typeface="Arial"/>
+              <a:defRPr sz="1400" b="0" i="0" u="none" strike="noStrike" cap="none">
+                <a:solidFill>
+                  <a:srgbClr val="000000"/>
+                </a:solidFill>
+                <a:latin typeface="Arial"/>
+                <a:ea typeface="Arial"/>
+                <a:cs typeface="Arial"/>
+                <a:sym typeface="Arial"/>
+              </a:defRPr>
+            </a:lvl5pPr>
+            <a:lvl6pPr marR="0" lvl="5" algn="l" rtl="0">
+              <a:lnSpc>
+                <a:spcPct val="100000"/>
+              </a:lnSpc>
+              <a:spcBef>
+                <a:spcPts val="0"/>
+              </a:spcBef>
+              <a:spcAft>
+                <a:spcPts val="0"/>
+              </a:spcAft>
+              <a:buClr>
+                <a:srgbClr val="000000"/>
+              </a:buClr>
+              <a:buFont typeface="Arial"/>
+              <a:defRPr sz="1400" b="0" i="0" u="none" strike="noStrike" cap="none">
+                <a:solidFill>
+                  <a:srgbClr val="000000"/>
+                </a:solidFill>
+                <a:latin typeface="Arial"/>
+                <a:ea typeface="Arial"/>
+                <a:cs typeface="Arial"/>
+                <a:sym typeface="Arial"/>
+              </a:defRPr>
+            </a:lvl6pPr>
+            <a:lvl7pPr marR="0" lvl="6" algn="l" rtl="0">
+              <a:lnSpc>
+                <a:spcPct val="100000"/>
+              </a:lnSpc>
+              <a:spcBef>
+                <a:spcPts val="0"/>
+              </a:spcBef>
+              <a:spcAft>
+                <a:spcPts val="0"/>
+              </a:spcAft>
+              <a:buClr>
+                <a:srgbClr val="000000"/>
+              </a:buClr>
+              <a:buFont typeface="Arial"/>
+              <a:defRPr sz="1400" b="0" i="0" u="none" strike="noStrike" cap="none">
+                <a:solidFill>
+                  <a:srgbClr val="000000"/>
+                </a:solidFill>
+                <a:latin typeface="Arial"/>
+                <a:ea typeface="Arial"/>
+                <a:cs typeface="Arial"/>
+                <a:sym typeface="Arial"/>
+              </a:defRPr>
+            </a:lvl7pPr>
+            <a:lvl8pPr marR="0" lvl="7" algn="l" rtl="0">
+              <a:lnSpc>
+                <a:spcPct val="100000"/>
+              </a:lnSpc>
+              <a:spcBef>
+                <a:spcPts val="0"/>
+              </a:spcBef>
+              <a:spcAft>
+                <a:spcPts val="0"/>
+              </a:spcAft>
+              <a:buClr>
+                <a:srgbClr val="000000"/>
+              </a:buClr>
+              <a:buFont typeface="Arial"/>
+              <a:defRPr sz="1400" b="0" i="0" u="none" strike="noStrike" cap="none">
+                <a:solidFill>
+                  <a:srgbClr val="000000"/>
+                </a:solidFill>
+                <a:latin typeface="Arial"/>
+                <a:ea typeface="Arial"/>
+                <a:cs typeface="Arial"/>
+                <a:sym typeface="Arial"/>
+              </a:defRPr>
+            </a:lvl8pPr>
+            <a:lvl9pPr marR="0" lvl="8" algn="l" rtl="0">
+              <a:lnSpc>
+                <a:spcPct val="100000"/>
+              </a:lnSpc>
+              <a:spcBef>
+                <a:spcPts val="0"/>
+              </a:spcBef>
+              <a:spcAft>
+                <a:spcPts val="0"/>
+              </a:spcAft>
+              <a:buClr>
+                <a:srgbClr val="000000"/>
+              </a:buClr>
+              <a:buFont typeface="Arial"/>
+              <a:defRPr sz="1400" b="0" i="0" u="none" strike="noStrike" cap="none">
+                <a:solidFill>
+                  <a:srgbClr val="000000"/>
+                </a:solidFill>
+                <a:latin typeface="Arial"/>
+                <a:ea typeface="Arial"/>
+                <a:cs typeface="Arial"/>
+                <a:sym typeface="Arial"/>
+              </a:defRPr>
+            </a:lvl9pPr>
+          </a:lstStyle>
+          <a:p>
+            <a:pPr algn="ctr"/>
+            <a:endParaRPr lang="en-US" dirty="0"/>
+          </a:p>
+        </p:txBody>
+      </p:sp>
+      <p:sp>
+        <p:nvSpPr>
+          <p:cNvPr id="9" name="Google Shape;711;p29">
+            <a:extLst>
+              <a:ext uri="{FF2B5EF4-FFF2-40B4-BE49-F238E27FC236}">
+                <a16:creationId xmlns:a16="http://schemas.microsoft.com/office/drawing/2014/main" id="{8522C83B-9FCC-4EF6-8675-9B2E9A4C2D9B}"/>
+              </a:ext>
+            </a:extLst>
+          </p:cNvPr>
+          <p:cNvSpPr txBox="1">
+            <a:spLocks/>
+          </p:cNvSpPr>
+          <p:nvPr/>
+        </p:nvSpPr>
+        <p:spPr>
+          <a:xfrm>
+            <a:off x="548062" y="1411611"/>
+            <a:ext cx="7125725" cy="629100"/>
+          </a:xfrm>
+          <a:prstGeom prst="rect">
+            <a:avLst/>
+          </a:prstGeom>
+        </p:spPr>
+        <p:txBody>
+          <a:bodyPr spcFirstLastPara="1" wrap="square" lIns="91425" tIns="91425" rIns="91425" bIns="91425" anchor="t" anchorCtr="0">
+            <a:noAutofit/>
+          </a:bodyPr>
+          <a:lstStyle>
+            <a:defPPr marR="0" lvl="0" algn="l" rtl="0">
+              <a:lnSpc>
+                <a:spcPct val="100000"/>
+              </a:lnSpc>
+              <a:spcBef>
+                <a:spcPts val="0"/>
+              </a:spcBef>
+              <a:spcAft>
+                <a:spcPts val="0"/>
+              </a:spcAft>
+            </a:defPPr>
+            <a:lvl1pPr marR="0" lvl="0" algn="l" rtl="0">
+              <a:lnSpc>
+                <a:spcPct val="100000"/>
+              </a:lnSpc>
+              <a:spcBef>
+                <a:spcPts val="0"/>
+              </a:spcBef>
+              <a:spcAft>
+                <a:spcPts val="0"/>
+              </a:spcAft>
+              <a:buClr>
+                <a:srgbClr val="000000"/>
+              </a:buClr>
+              <a:buFont typeface="Arial"/>
+              <a:defRPr sz="1400" b="0" i="0" u="none" strike="noStrike" cap="none">
+                <a:solidFill>
+                  <a:srgbClr val="000000"/>
+                </a:solidFill>
+                <a:latin typeface="Arial"/>
+                <a:ea typeface="Arial"/>
+                <a:cs typeface="Arial"/>
+                <a:sym typeface="Arial"/>
+              </a:defRPr>
+            </a:lvl1pPr>
+            <a:lvl2pPr marR="0" lvl="1" algn="l" rtl="0">
+              <a:lnSpc>
+                <a:spcPct val="100000"/>
+              </a:lnSpc>
+              <a:spcBef>
+                <a:spcPts val="0"/>
+              </a:spcBef>
+              <a:spcAft>
+                <a:spcPts val="0"/>
+              </a:spcAft>
+              <a:buClr>
+                <a:srgbClr val="000000"/>
+              </a:buClr>
+              <a:buFont typeface="Arial"/>
+              <a:defRPr sz="1400" b="0" i="0" u="none" strike="noStrike" cap="none">
+                <a:solidFill>
+                  <a:srgbClr val="000000"/>
+                </a:solidFill>
+                <a:latin typeface="Arial"/>
+                <a:ea typeface="Arial"/>
+                <a:cs typeface="Arial"/>
+                <a:sym typeface="Arial"/>
+              </a:defRPr>
+            </a:lvl2pPr>
+            <a:lvl3pPr marR="0" lvl="2" algn="l" rtl="0">
+              <a:lnSpc>
+                <a:spcPct val="100000"/>
+              </a:lnSpc>
+              <a:spcBef>
+                <a:spcPts val="0"/>
+              </a:spcBef>
+              <a:spcAft>
+                <a:spcPts val="0"/>
+              </a:spcAft>
+              <a:buClr>
+                <a:srgbClr val="000000"/>
+              </a:buClr>
+              <a:buFont typeface="Arial"/>
+              <a:defRPr sz="1400" b="0" i="0" u="none" strike="noStrike" cap="none">
+                <a:solidFill>
+                  <a:srgbClr val="000000"/>
+                </a:solidFill>
+                <a:latin typeface="Arial"/>
+                <a:ea typeface="Arial"/>
+                <a:cs typeface="Arial"/>
+                <a:sym typeface="Arial"/>
+              </a:defRPr>
+            </a:lvl3pPr>
+            <a:lvl4pPr marR="0" lvl="3" algn="l" rtl="0">
+              <a:lnSpc>
+                <a:spcPct val="100000"/>
+              </a:lnSpc>
+              <a:spcBef>
+                <a:spcPts val="0"/>
+              </a:spcBef>
+              <a:spcAft>
+                <a:spcPts val="0"/>
+              </a:spcAft>
+              <a:buClr>
+                <a:srgbClr val="000000"/>
+              </a:buClr>
+              <a:buFont typeface="Arial"/>
+              <a:defRPr sz="1400" b="0" i="0" u="none" strike="noStrike" cap="none">
+                <a:solidFill>
+                  <a:srgbClr val="000000"/>
+                </a:solidFill>
+                <a:latin typeface="Arial"/>
+                <a:ea typeface="Arial"/>
+                <a:cs typeface="Arial"/>
+                <a:sym typeface="Arial"/>
+              </a:defRPr>
+            </a:lvl4pPr>
+            <a:lvl5pPr marR="0" lvl="4" algn="l" rtl="0">
+              <a:lnSpc>
+                <a:spcPct val="100000"/>
+              </a:lnSpc>
+              <a:spcBef>
+                <a:spcPts val="0"/>
+              </a:spcBef>
+              <a:spcAft>
+                <a:spcPts val="0"/>
+              </a:spcAft>
+              <a:buClr>
+                <a:srgbClr val="000000"/>
+              </a:buClr>
+              <a:buFont typeface="Arial"/>
+              <a:defRPr sz="1400" b="0" i="0" u="none" strike="noStrike" cap="none">
+                <a:solidFill>
+                  <a:srgbClr val="000000"/>
+                </a:solidFill>
+                <a:latin typeface="Arial"/>
+                <a:ea typeface="Arial"/>
+                <a:cs typeface="Arial"/>
+                <a:sym typeface="Arial"/>
+              </a:defRPr>
+            </a:lvl5pPr>
+            <a:lvl6pPr marR="0" lvl="5" algn="l" rtl="0">
+              <a:lnSpc>
+                <a:spcPct val="100000"/>
+              </a:lnSpc>
+              <a:spcBef>
+                <a:spcPts val="0"/>
+              </a:spcBef>
+              <a:spcAft>
+                <a:spcPts val="0"/>
+              </a:spcAft>
+              <a:buClr>
+                <a:srgbClr val="000000"/>
+              </a:buClr>
+              <a:buFont typeface="Arial"/>
+              <a:defRPr sz="1400" b="0" i="0" u="none" strike="noStrike" cap="none">
+                <a:solidFill>
+                  <a:srgbClr val="000000"/>
+                </a:solidFill>
+                <a:latin typeface="Arial"/>
+                <a:ea typeface="Arial"/>
+                <a:cs typeface="Arial"/>
+                <a:sym typeface="Arial"/>
+              </a:defRPr>
+            </a:lvl6pPr>
+            <a:lvl7pPr marR="0" lvl="6" algn="l" rtl="0">
+              <a:lnSpc>
+                <a:spcPct val="100000"/>
+              </a:lnSpc>
+              <a:spcBef>
+                <a:spcPts val="0"/>
+              </a:spcBef>
+              <a:spcAft>
+                <a:spcPts val="0"/>
+              </a:spcAft>
+              <a:buClr>
+                <a:srgbClr val="000000"/>
+              </a:buClr>
+              <a:buFont typeface="Arial"/>
+              <a:defRPr sz="1400" b="0" i="0" u="none" strike="noStrike" cap="none">
+                <a:solidFill>
+                  <a:srgbClr val="000000"/>
+                </a:solidFill>
+                <a:latin typeface="Arial"/>
+                <a:ea typeface="Arial"/>
+                <a:cs typeface="Arial"/>
+                <a:sym typeface="Arial"/>
+              </a:defRPr>
+            </a:lvl7pPr>
+            <a:lvl8pPr marR="0" lvl="7" algn="l" rtl="0">
+              <a:lnSpc>
+                <a:spcPct val="100000"/>
+              </a:lnSpc>
+              <a:spcBef>
+                <a:spcPts val="0"/>
+              </a:spcBef>
+              <a:spcAft>
+                <a:spcPts val="0"/>
+              </a:spcAft>
+              <a:buClr>
+                <a:srgbClr val="000000"/>
+              </a:buClr>
+              <a:buFont typeface="Arial"/>
+              <a:defRPr sz="1400" b="0" i="0" u="none" strike="noStrike" cap="none">
+                <a:solidFill>
+                  <a:srgbClr val="000000"/>
+                </a:solidFill>
+                <a:latin typeface="Arial"/>
+                <a:ea typeface="Arial"/>
+                <a:cs typeface="Arial"/>
+                <a:sym typeface="Arial"/>
+              </a:defRPr>
+            </a:lvl8pPr>
+            <a:lvl9pPr marR="0" lvl="8" algn="l" rtl="0">
+              <a:lnSpc>
+                <a:spcPct val="100000"/>
+              </a:lnSpc>
+              <a:spcBef>
+                <a:spcPts val="0"/>
+              </a:spcBef>
+              <a:spcAft>
+                <a:spcPts val="0"/>
+              </a:spcAft>
+              <a:buClr>
+                <a:srgbClr val="000000"/>
+              </a:buClr>
+              <a:buFont typeface="Arial"/>
+              <a:defRPr sz="1400" b="0" i="0" u="none" strike="noStrike" cap="none">
+                <a:solidFill>
+                  <a:srgbClr val="000000"/>
+                </a:solidFill>
+                <a:latin typeface="Arial"/>
+                <a:ea typeface="Arial"/>
+                <a:cs typeface="Arial"/>
+                <a:sym typeface="Arial"/>
+              </a:defRPr>
+            </a:lvl9pPr>
+          </a:lstStyle>
+          <a:p>
+            <a:r>
+              <a:rPr lang="en-US" sz="1200" dirty="0">
+                <a:solidFill>
+                  <a:schemeClr val="dk1"/>
+                </a:solidFill>
+                <a:latin typeface="Roboto"/>
+                <a:ea typeface="Roboto"/>
+                <a:sym typeface="Roboto"/>
+              </a:rPr>
+              <a:t>- During the project we used </a:t>
+            </a:r>
+            <a:r>
+              <a:rPr lang="en-US" sz="1200" dirty="0" err="1">
+                <a:solidFill>
+                  <a:schemeClr val="dk1"/>
+                </a:solidFill>
+                <a:latin typeface="Roboto"/>
+                <a:ea typeface="Roboto"/>
+                <a:sym typeface="Roboto"/>
+              </a:rPr>
+              <a:t>github</a:t>
+            </a:r>
+            <a:r>
+              <a:rPr lang="en-US" sz="1200" dirty="0">
+                <a:solidFill>
+                  <a:schemeClr val="dk1"/>
+                </a:solidFill>
+                <a:latin typeface="Roboto"/>
+                <a:ea typeface="Roboto"/>
+                <a:sym typeface="Roboto"/>
+              </a:rPr>
+              <a:t> to synchronize our work.</a:t>
+            </a:r>
+          </a:p>
+          <a:p>
+            <a:r>
+              <a:rPr lang="en-US" sz="1200" dirty="0">
+                <a:solidFill>
+                  <a:schemeClr val="dk1"/>
+                </a:solidFill>
+                <a:latin typeface="Roboto"/>
+                <a:ea typeface="Roboto"/>
+                <a:sym typeface="Roboto"/>
+              </a:rPr>
+              <a:t>- The repository is made public for reference.</a:t>
+            </a:r>
+          </a:p>
+          <a:p>
+            <a:r>
+              <a:rPr lang="en-US" sz="1200" dirty="0">
+                <a:solidFill>
+                  <a:schemeClr val="dk1"/>
+                </a:solidFill>
+                <a:latin typeface="Roboto"/>
+                <a:ea typeface="Roboto"/>
+                <a:sym typeface="Roboto"/>
+              </a:rPr>
+              <a:t>- Link can be found here: </a:t>
+            </a:r>
+            <a:r>
+              <a:rPr lang="en-US" dirty="0" err="1">
+                <a:solidFill>
+                  <a:schemeClr val="bg1"/>
+                </a:solidFill>
+                <a:hlinkClick r:id="rId3"/>
+              </a:rPr>
+              <a:t>Github</a:t>
+            </a:r>
+            <a:r>
+              <a:rPr lang="en-US" dirty="0">
+                <a:solidFill>
+                  <a:schemeClr val="bg1"/>
+                </a:solidFill>
+                <a:hlinkClick r:id="rId3"/>
+              </a:rPr>
+              <a:t> Link</a:t>
+            </a:r>
+            <a:endParaRPr lang="en-US" dirty="0">
+              <a:solidFill>
+                <a:schemeClr val="bg1"/>
+              </a:solidFill>
+            </a:endParaRPr>
+          </a:p>
+        </p:txBody>
+      </p:sp>
+    </p:spTree>
+    <p:extLst>
+      <p:ext uri="{BB962C8B-B14F-4D97-AF65-F5344CB8AC3E}">
+        <p14:creationId xmlns:p14="http://schemas.microsoft.com/office/powerpoint/2010/main" val="1406358485"/>
+      </p:ext>
+    </p:extLst>
+  </p:cSld>
+  <p:clrMapOvr>
+    <a:masterClrMapping/>
+  </p:clrMapOvr>
+</p:sld>
+</file>
+
+<file path=ppt/slides/slide27.xml><?xml version="1.0" encoding="utf-8"?>
+<p:sld xmlns:a="http://schemas.openxmlformats.org/drawingml/2006/main" xmlns:r="http://schemas.openxmlformats.org/officeDocument/2006/relationships" xmlns:p="http://schemas.openxmlformats.org/presentationml/2006/main">
+  <p:cSld>
+    <p:spTree>
+      <p:nvGrpSpPr>
+        <p:cNvPr id="1" name="Shape 922"/>
+        <p:cNvGrpSpPr/>
+        <p:nvPr/>
+      </p:nvGrpSpPr>
+      <p:grpSpPr>
+        <a:xfrm>
+          <a:off x="0" y="0"/>
+          <a:ext cx="0" cy="0"/>
+          <a:chOff x="0" y="0"/>
+          <a:chExt cx="0" cy="0"/>
+        </a:xfrm>
+      </p:grpSpPr>
+      <p:sp>
+        <p:nvSpPr>
+          <p:cNvPr id="5" name="Google Shape;708;p29">
+            <a:extLst>
+              <a:ext uri="{FF2B5EF4-FFF2-40B4-BE49-F238E27FC236}">
+                <a16:creationId xmlns:a16="http://schemas.microsoft.com/office/drawing/2014/main" id="{3BC179D5-501B-4053-B17E-07CC64B1AF6B}"/>
+              </a:ext>
+            </a:extLst>
+          </p:cNvPr>
+          <p:cNvSpPr txBox="1">
+            <a:spLocks noGrp="1"/>
+          </p:cNvSpPr>
+          <p:nvPr>
+            <p:ph type="title"/>
+          </p:nvPr>
+        </p:nvSpPr>
+        <p:spPr>
+          <a:xfrm>
+            <a:off x="1604682" y="1586090"/>
+            <a:ext cx="7704000" cy="1671039"/>
+          </a:xfrm>
+          <a:prstGeom prst="rect">
+            <a:avLst/>
+          </a:prstGeom>
+        </p:spPr>
+        <p:txBody>
+          <a:bodyPr spcFirstLastPara="1" wrap="square" lIns="91425" tIns="91425" rIns="91425" bIns="91425" anchor="t" anchorCtr="0">
+            <a:noAutofit/>
+          </a:bodyPr>
+          <a:lstStyle/>
+          <a:p>
+            <a:pPr marL="0" lvl="0" indent="0" algn="l" rtl="0">
+              <a:spcBef>
+                <a:spcPts val="0"/>
+              </a:spcBef>
+              <a:spcAft>
+                <a:spcPts val="0"/>
+              </a:spcAft>
+              <a:buNone/>
+            </a:pPr>
+            <a:r>
+              <a:rPr lang="en-US" sz="9600" dirty="0">
+                <a:cs typeface="Arial"/>
+                <a:sym typeface="Arial"/>
+              </a:rPr>
+              <a:t>Thank you</a:t>
+            </a:r>
+            <a:endParaRPr sz="9600" dirty="0">
+              <a:cs typeface="Arial"/>
+              <a:sym typeface="Arial"/>
+            </a:endParaRPr>
+          </a:p>
+        </p:txBody>
+      </p:sp>
+      <p:sp>
+        <p:nvSpPr>
+          <p:cNvPr id="8" name="Google Shape;711;p29">
+            <a:extLst>
+              <a:ext uri="{FF2B5EF4-FFF2-40B4-BE49-F238E27FC236}">
+                <a16:creationId xmlns:a16="http://schemas.microsoft.com/office/drawing/2014/main" id="{0802AC61-56AA-4664-B5DA-942C0053E680}"/>
+              </a:ext>
+            </a:extLst>
+          </p:cNvPr>
+          <p:cNvSpPr txBox="1">
+            <a:spLocks/>
+          </p:cNvSpPr>
+          <p:nvPr/>
+        </p:nvSpPr>
+        <p:spPr>
+          <a:xfrm>
+            <a:off x="720000" y="1581939"/>
+            <a:ext cx="7437882" cy="629100"/>
+          </a:xfrm>
+          <a:prstGeom prst="rect">
+            <a:avLst/>
+          </a:prstGeom>
+        </p:spPr>
+        <p:txBody>
+          <a:bodyPr spcFirstLastPara="1" wrap="square" lIns="91425" tIns="91425" rIns="91425" bIns="91425" anchor="t" anchorCtr="0">
+            <a:noAutofit/>
+          </a:bodyPr>
+          <a:lstStyle>
+            <a:defPPr marR="0" lvl="0" algn="l" rtl="0">
+              <a:lnSpc>
+                <a:spcPct val="100000"/>
+              </a:lnSpc>
+              <a:spcBef>
+                <a:spcPts val="0"/>
+              </a:spcBef>
+              <a:spcAft>
+                <a:spcPts val="0"/>
+              </a:spcAft>
+            </a:defPPr>
+            <a:lvl1pPr marR="0" lvl="0" algn="l" rtl="0">
+              <a:lnSpc>
+                <a:spcPct val="100000"/>
+              </a:lnSpc>
+              <a:spcBef>
+                <a:spcPts val="0"/>
+              </a:spcBef>
+              <a:spcAft>
+                <a:spcPts val="0"/>
+              </a:spcAft>
+              <a:buClr>
+                <a:srgbClr val="000000"/>
+              </a:buClr>
+              <a:buFont typeface="Arial"/>
+              <a:defRPr sz="1400" b="0" i="0" u="none" strike="noStrike" cap="none">
+                <a:solidFill>
+                  <a:srgbClr val="000000"/>
+                </a:solidFill>
+                <a:latin typeface="Arial"/>
+                <a:ea typeface="Arial"/>
+                <a:cs typeface="Arial"/>
+                <a:sym typeface="Arial"/>
+              </a:defRPr>
+            </a:lvl1pPr>
+            <a:lvl2pPr marR="0" lvl="1" algn="l" rtl="0">
+              <a:lnSpc>
+                <a:spcPct val="100000"/>
+              </a:lnSpc>
+              <a:spcBef>
+                <a:spcPts val="0"/>
+              </a:spcBef>
+              <a:spcAft>
+                <a:spcPts val="0"/>
+              </a:spcAft>
+              <a:buClr>
+                <a:srgbClr val="000000"/>
+              </a:buClr>
+              <a:buFont typeface="Arial"/>
+              <a:defRPr sz="1400" b="0" i="0" u="none" strike="noStrike" cap="none">
+                <a:solidFill>
+                  <a:srgbClr val="000000"/>
+                </a:solidFill>
+                <a:latin typeface="Arial"/>
+                <a:ea typeface="Arial"/>
+                <a:cs typeface="Arial"/>
+                <a:sym typeface="Arial"/>
+              </a:defRPr>
+            </a:lvl2pPr>
+            <a:lvl3pPr marR="0" lvl="2" algn="l" rtl="0">
+              <a:lnSpc>
+                <a:spcPct val="100000"/>
+              </a:lnSpc>
+              <a:spcBef>
+                <a:spcPts val="0"/>
+              </a:spcBef>
+              <a:spcAft>
+                <a:spcPts val="0"/>
+              </a:spcAft>
+              <a:buClr>
+                <a:srgbClr val="000000"/>
+              </a:buClr>
+              <a:buFont typeface="Arial"/>
+              <a:defRPr sz="1400" b="0" i="0" u="none" strike="noStrike" cap="none">
+                <a:solidFill>
+                  <a:srgbClr val="000000"/>
+                </a:solidFill>
+                <a:latin typeface="Arial"/>
+                <a:ea typeface="Arial"/>
+                <a:cs typeface="Arial"/>
+                <a:sym typeface="Arial"/>
+              </a:defRPr>
+            </a:lvl3pPr>
+            <a:lvl4pPr marR="0" lvl="3" algn="l" rtl="0">
+              <a:lnSpc>
+                <a:spcPct val="100000"/>
+              </a:lnSpc>
+              <a:spcBef>
+                <a:spcPts val="0"/>
+              </a:spcBef>
+              <a:spcAft>
+                <a:spcPts val="0"/>
+              </a:spcAft>
+              <a:buClr>
+                <a:srgbClr val="000000"/>
+              </a:buClr>
+              <a:buFont typeface="Arial"/>
+              <a:defRPr sz="1400" b="0" i="0" u="none" strike="noStrike" cap="none">
+                <a:solidFill>
+                  <a:srgbClr val="000000"/>
+                </a:solidFill>
+                <a:latin typeface="Arial"/>
+                <a:ea typeface="Arial"/>
+                <a:cs typeface="Arial"/>
+                <a:sym typeface="Arial"/>
+              </a:defRPr>
+            </a:lvl4pPr>
+            <a:lvl5pPr marR="0" lvl="4" algn="l" rtl="0">
+              <a:lnSpc>
+                <a:spcPct val="100000"/>
+              </a:lnSpc>
+              <a:spcBef>
+                <a:spcPts val="0"/>
+              </a:spcBef>
+              <a:spcAft>
+                <a:spcPts val="0"/>
+              </a:spcAft>
+              <a:buClr>
+                <a:srgbClr val="000000"/>
+              </a:buClr>
+              <a:buFont typeface="Arial"/>
+              <a:defRPr sz="1400" b="0" i="0" u="none" strike="noStrike" cap="none">
+                <a:solidFill>
+                  <a:srgbClr val="000000"/>
+                </a:solidFill>
+                <a:latin typeface="Arial"/>
+                <a:ea typeface="Arial"/>
+                <a:cs typeface="Arial"/>
+                <a:sym typeface="Arial"/>
+              </a:defRPr>
+            </a:lvl5pPr>
+            <a:lvl6pPr marR="0" lvl="5" algn="l" rtl="0">
+              <a:lnSpc>
+                <a:spcPct val="100000"/>
+              </a:lnSpc>
+              <a:spcBef>
+                <a:spcPts val="0"/>
+              </a:spcBef>
+              <a:spcAft>
+                <a:spcPts val="0"/>
+              </a:spcAft>
+              <a:buClr>
+                <a:srgbClr val="000000"/>
+              </a:buClr>
+              <a:buFont typeface="Arial"/>
+              <a:defRPr sz="1400" b="0" i="0" u="none" strike="noStrike" cap="none">
+                <a:solidFill>
+                  <a:srgbClr val="000000"/>
+                </a:solidFill>
+                <a:latin typeface="Arial"/>
+                <a:ea typeface="Arial"/>
+                <a:cs typeface="Arial"/>
+                <a:sym typeface="Arial"/>
+              </a:defRPr>
+            </a:lvl6pPr>
+            <a:lvl7pPr marR="0" lvl="6" algn="l" rtl="0">
+              <a:lnSpc>
+                <a:spcPct val="100000"/>
+              </a:lnSpc>
+              <a:spcBef>
+                <a:spcPts val="0"/>
+              </a:spcBef>
+              <a:spcAft>
+                <a:spcPts val="0"/>
+              </a:spcAft>
+              <a:buClr>
+                <a:srgbClr val="000000"/>
+              </a:buClr>
+              <a:buFont typeface="Arial"/>
+              <a:defRPr sz="1400" b="0" i="0" u="none" strike="noStrike" cap="none">
+                <a:solidFill>
+                  <a:srgbClr val="000000"/>
+                </a:solidFill>
+                <a:latin typeface="Arial"/>
+                <a:ea typeface="Arial"/>
+                <a:cs typeface="Arial"/>
+                <a:sym typeface="Arial"/>
+              </a:defRPr>
+            </a:lvl7pPr>
+            <a:lvl8pPr marR="0" lvl="7" algn="l" rtl="0">
+              <a:lnSpc>
+                <a:spcPct val="100000"/>
+              </a:lnSpc>
+              <a:spcBef>
+                <a:spcPts val="0"/>
+              </a:spcBef>
+              <a:spcAft>
+                <a:spcPts val="0"/>
+              </a:spcAft>
+              <a:buClr>
+                <a:srgbClr val="000000"/>
+              </a:buClr>
+              <a:buFont typeface="Arial"/>
+              <a:defRPr sz="1400" b="0" i="0" u="none" strike="noStrike" cap="none">
+                <a:solidFill>
+                  <a:srgbClr val="000000"/>
+                </a:solidFill>
+                <a:latin typeface="Arial"/>
+                <a:ea typeface="Arial"/>
+                <a:cs typeface="Arial"/>
+                <a:sym typeface="Arial"/>
+              </a:defRPr>
+            </a:lvl8pPr>
+            <a:lvl9pPr marR="0" lvl="8" algn="l" rtl="0">
+              <a:lnSpc>
+                <a:spcPct val="100000"/>
+              </a:lnSpc>
+              <a:spcBef>
+                <a:spcPts val="0"/>
+              </a:spcBef>
+              <a:spcAft>
+                <a:spcPts val="0"/>
+              </a:spcAft>
+              <a:buClr>
+                <a:srgbClr val="000000"/>
+              </a:buClr>
+              <a:buFont typeface="Arial"/>
+              <a:defRPr sz="1400" b="0" i="0" u="none" strike="noStrike" cap="none">
+                <a:solidFill>
+                  <a:srgbClr val="000000"/>
+                </a:solidFill>
+                <a:latin typeface="Arial"/>
+                <a:ea typeface="Arial"/>
+                <a:cs typeface="Arial"/>
+                <a:sym typeface="Arial"/>
+              </a:defRPr>
+            </a:lvl9pPr>
+          </a:lstStyle>
+          <a:p>
+            <a:pPr algn="ctr"/>
+            <a:endParaRPr lang="en-US" dirty="0"/>
+          </a:p>
+        </p:txBody>
+      </p:sp>
+      <p:sp>
+        <p:nvSpPr>
+          <p:cNvPr id="6" name="Google Shape;708;p29">
+            <a:extLst>
+              <a:ext uri="{FF2B5EF4-FFF2-40B4-BE49-F238E27FC236}">
+                <a16:creationId xmlns:a16="http://schemas.microsoft.com/office/drawing/2014/main" id="{C4212F4F-D08B-481E-BEAC-40E513AE3EA2}"/>
+              </a:ext>
+            </a:extLst>
+          </p:cNvPr>
+          <p:cNvSpPr txBox="1">
+            <a:spLocks/>
+          </p:cNvSpPr>
+          <p:nvPr/>
+        </p:nvSpPr>
+        <p:spPr>
+          <a:xfrm>
+            <a:off x="389718" y="4003358"/>
+            <a:ext cx="4585694" cy="629100"/>
+          </a:xfrm>
+          <a:prstGeom prst="rect">
+            <a:avLst/>
+          </a:prstGeom>
+          <a:noFill/>
+          <a:ln>
+            <a:noFill/>
+          </a:ln>
+        </p:spPr>
+        <p:txBody>
+          <a:bodyPr spcFirstLastPara="1" wrap="square" lIns="91425" tIns="91425" rIns="91425" bIns="91425" anchor="t" anchorCtr="0">
+            <a:noAutofit/>
+          </a:bodyPr>
+          <a:lstStyle>
+            <a:defPPr marR="0" lvl="0" algn="l" rtl="0">
+              <a:lnSpc>
+                <a:spcPct val="100000"/>
+              </a:lnSpc>
+              <a:spcBef>
+                <a:spcPts val="0"/>
+              </a:spcBef>
+              <a:spcAft>
+                <a:spcPts val="0"/>
+              </a:spcAft>
+            </a:defPPr>
+            <a:lvl1pPr marR="0" lvl="0" algn="ctr" rtl="0">
+              <a:lnSpc>
+                <a:spcPct val="100000"/>
+              </a:lnSpc>
+              <a:spcBef>
+                <a:spcPts val="0"/>
+              </a:spcBef>
+              <a:spcAft>
+                <a:spcPts val="0"/>
+              </a:spcAft>
+              <a:buClr>
+                <a:schemeClr val="dk1"/>
+              </a:buClr>
+              <a:buSzPts val="7200"/>
+              <a:buFont typeface="Oswald"/>
+              <a:buNone/>
+              <a:defRPr sz="7700" b="0" i="0" u="none" strike="noStrike" cap="none">
+                <a:solidFill>
+                  <a:schemeClr val="dk1"/>
+                </a:solidFill>
+                <a:latin typeface="Oswald"/>
+                <a:ea typeface="Oswald"/>
+                <a:cs typeface="Oswald"/>
+                <a:sym typeface="Oswald"/>
+              </a:defRPr>
+            </a:lvl1pPr>
+            <a:lvl2pPr marR="0" lvl="1" algn="ctr" rtl="0">
+              <a:lnSpc>
+                <a:spcPct val="100000"/>
+              </a:lnSpc>
+              <a:spcBef>
+                <a:spcPts val="0"/>
+              </a:spcBef>
+              <a:spcAft>
+                <a:spcPts val="0"/>
+              </a:spcAft>
+              <a:buClr>
+                <a:schemeClr val="dk1"/>
+              </a:buClr>
+              <a:buSzPts val="12000"/>
+              <a:buFont typeface="Arial"/>
+              <a:buNone/>
+              <a:defRPr sz="12000" b="0" i="0" u="none" strike="noStrike" cap="none">
+                <a:solidFill>
+                  <a:schemeClr val="dk1"/>
+                </a:solidFill>
+                <a:latin typeface="Arial"/>
+                <a:ea typeface="Arial"/>
+                <a:cs typeface="Arial"/>
+                <a:sym typeface="Arial"/>
+              </a:defRPr>
+            </a:lvl2pPr>
+            <a:lvl3pPr marR="0" lvl="2" algn="ctr" rtl="0">
+              <a:lnSpc>
+                <a:spcPct val="100000"/>
+              </a:lnSpc>
+              <a:spcBef>
+                <a:spcPts val="0"/>
+              </a:spcBef>
+              <a:spcAft>
+                <a:spcPts val="0"/>
+              </a:spcAft>
+              <a:buClr>
+                <a:schemeClr val="dk1"/>
+              </a:buClr>
+              <a:buSzPts val="12000"/>
+              <a:buFont typeface="Arial"/>
+              <a:buNone/>
+              <a:defRPr sz="12000" b="0" i="0" u="none" strike="noStrike" cap="none">
+                <a:solidFill>
+                  <a:schemeClr val="dk1"/>
+                </a:solidFill>
+                <a:latin typeface="Arial"/>
+                <a:ea typeface="Arial"/>
+                <a:cs typeface="Arial"/>
+                <a:sym typeface="Arial"/>
+              </a:defRPr>
+            </a:lvl3pPr>
+            <a:lvl4pPr marR="0" lvl="3" algn="ctr" rtl="0">
+              <a:lnSpc>
+                <a:spcPct val="100000"/>
+              </a:lnSpc>
+              <a:spcBef>
+                <a:spcPts val="0"/>
+              </a:spcBef>
+              <a:spcAft>
+                <a:spcPts val="0"/>
+              </a:spcAft>
+              <a:buClr>
+                <a:schemeClr val="dk1"/>
+              </a:buClr>
+              <a:buSzPts val="12000"/>
+              <a:buFont typeface="Arial"/>
+              <a:buNone/>
+              <a:defRPr sz="12000" b="0" i="0" u="none" strike="noStrike" cap="none">
+                <a:solidFill>
+                  <a:schemeClr val="dk1"/>
+                </a:solidFill>
+                <a:latin typeface="Arial"/>
+                <a:ea typeface="Arial"/>
+                <a:cs typeface="Arial"/>
+                <a:sym typeface="Arial"/>
+              </a:defRPr>
+            </a:lvl4pPr>
+            <a:lvl5pPr marR="0" lvl="4" algn="ctr" rtl="0">
+              <a:lnSpc>
+                <a:spcPct val="100000"/>
+              </a:lnSpc>
+              <a:spcBef>
+                <a:spcPts val="0"/>
+              </a:spcBef>
+              <a:spcAft>
+                <a:spcPts val="0"/>
+              </a:spcAft>
+              <a:buClr>
+                <a:schemeClr val="dk1"/>
+              </a:buClr>
+              <a:buSzPts val="12000"/>
+              <a:buFont typeface="Arial"/>
+              <a:buNone/>
+              <a:defRPr sz="12000" b="0" i="0" u="none" strike="noStrike" cap="none">
+                <a:solidFill>
+                  <a:schemeClr val="dk1"/>
+                </a:solidFill>
+                <a:latin typeface="Arial"/>
+                <a:ea typeface="Arial"/>
+                <a:cs typeface="Arial"/>
+                <a:sym typeface="Arial"/>
+              </a:defRPr>
+            </a:lvl5pPr>
+            <a:lvl6pPr marR="0" lvl="5" algn="ctr" rtl="0">
+              <a:lnSpc>
+                <a:spcPct val="100000"/>
+              </a:lnSpc>
+              <a:spcBef>
+                <a:spcPts val="0"/>
+              </a:spcBef>
+              <a:spcAft>
+                <a:spcPts val="0"/>
+              </a:spcAft>
+              <a:buClr>
+                <a:schemeClr val="dk1"/>
+              </a:buClr>
+              <a:buSzPts val="12000"/>
+              <a:buFont typeface="Arial"/>
+              <a:buNone/>
+              <a:defRPr sz="12000" b="0" i="0" u="none" strike="noStrike" cap="none">
+                <a:solidFill>
+                  <a:schemeClr val="dk1"/>
+                </a:solidFill>
+                <a:latin typeface="Arial"/>
+                <a:ea typeface="Arial"/>
+                <a:cs typeface="Arial"/>
+                <a:sym typeface="Arial"/>
+              </a:defRPr>
+            </a:lvl6pPr>
+            <a:lvl7pPr marR="0" lvl="6" algn="ctr" rtl="0">
+              <a:lnSpc>
+                <a:spcPct val="100000"/>
+              </a:lnSpc>
+              <a:spcBef>
+                <a:spcPts val="0"/>
+              </a:spcBef>
+              <a:spcAft>
+                <a:spcPts val="0"/>
+              </a:spcAft>
+              <a:buClr>
+                <a:schemeClr val="dk1"/>
+              </a:buClr>
+              <a:buSzPts val="12000"/>
+              <a:buFont typeface="Arial"/>
+              <a:buNone/>
+              <a:defRPr sz="12000" b="0" i="0" u="none" strike="noStrike" cap="none">
+                <a:solidFill>
+                  <a:schemeClr val="dk1"/>
+                </a:solidFill>
+                <a:latin typeface="Arial"/>
+                <a:ea typeface="Arial"/>
+                <a:cs typeface="Arial"/>
+                <a:sym typeface="Arial"/>
+              </a:defRPr>
+            </a:lvl7pPr>
+            <a:lvl8pPr marR="0" lvl="7" algn="ctr" rtl="0">
+              <a:lnSpc>
+                <a:spcPct val="100000"/>
+              </a:lnSpc>
+              <a:spcBef>
+                <a:spcPts val="0"/>
+              </a:spcBef>
+              <a:spcAft>
+                <a:spcPts val="0"/>
+              </a:spcAft>
+              <a:buClr>
+                <a:schemeClr val="dk1"/>
+              </a:buClr>
+              <a:buSzPts val="12000"/>
+              <a:buFont typeface="Arial"/>
+              <a:buNone/>
+              <a:defRPr sz="12000" b="0" i="0" u="none" strike="noStrike" cap="none">
+                <a:solidFill>
+                  <a:schemeClr val="dk1"/>
+                </a:solidFill>
+                <a:latin typeface="Arial"/>
+                <a:ea typeface="Arial"/>
+                <a:cs typeface="Arial"/>
+                <a:sym typeface="Arial"/>
+              </a:defRPr>
+            </a:lvl8pPr>
+            <a:lvl9pPr marR="0" lvl="8" algn="ctr" rtl="0">
+              <a:lnSpc>
+                <a:spcPct val="100000"/>
+              </a:lnSpc>
+              <a:spcBef>
+                <a:spcPts val="0"/>
+              </a:spcBef>
+              <a:spcAft>
+                <a:spcPts val="0"/>
+              </a:spcAft>
+              <a:buClr>
+                <a:schemeClr val="dk1"/>
+              </a:buClr>
+              <a:buSzPts val="12000"/>
+              <a:buFont typeface="Arial"/>
+              <a:buNone/>
+              <a:defRPr sz="12000" b="0" i="0" u="none" strike="noStrike" cap="none">
+                <a:solidFill>
+                  <a:schemeClr val="dk1"/>
+                </a:solidFill>
+                <a:latin typeface="Arial"/>
+                <a:ea typeface="Arial"/>
+                <a:cs typeface="Arial"/>
+                <a:sym typeface="Arial"/>
+              </a:defRPr>
+            </a:lvl9pPr>
+          </a:lstStyle>
+          <a:p>
+            <a:pPr algn="l"/>
+            <a:r>
+              <a:rPr lang="en-US" sz="1200" dirty="0">
+                <a:cs typeface="Arial"/>
+                <a:sym typeface="Arial"/>
+              </a:rPr>
+              <a:t>Presented by:</a:t>
+            </a:r>
+          </a:p>
+          <a:p>
+            <a:pPr algn="l"/>
+            <a:r>
+              <a:rPr lang="en-US" sz="1200" dirty="0">
+                <a:cs typeface="Arial"/>
+                <a:sym typeface="Arial"/>
+              </a:rPr>
+              <a:t>- Khaled Bahaa El-Din</a:t>
+            </a:r>
+          </a:p>
+          <a:p>
+            <a:pPr algn="l"/>
+            <a:r>
+              <a:rPr lang="en-US" sz="1200" dirty="0">
+                <a:cs typeface="Arial"/>
+                <a:sym typeface="Arial"/>
+              </a:rPr>
+              <a:t>- Abdullah </a:t>
+            </a:r>
+            <a:r>
+              <a:rPr lang="en-US" sz="1200" dirty="0" err="1">
+                <a:cs typeface="Arial"/>
+                <a:sym typeface="Arial"/>
+              </a:rPr>
+              <a:t>Aml</a:t>
+            </a:r>
+            <a:endParaRPr lang="en-US" sz="1200" dirty="0">
+              <a:cs typeface="Arial"/>
+              <a:sym typeface="Arial"/>
+            </a:endParaRPr>
+          </a:p>
+        </p:txBody>
+      </p:sp>
+    </p:spTree>
+    <p:extLst>
+      <p:ext uri="{BB962C8B-B14F-4D97-AF65-F5344CB8AC3E}">
+        <p14:creationId xmlns:p14="http://schemas.microsoft.com/office/powerpoint/2010/main" val="3330076828"/>
       </p:ext>
     </p:extLst>
   </p:cSld>

--- a/Assignment_2/Assignment_2_presentation.pptx
+++ b/Assignment_2/Assignment_2_presentation.pptx
@@ -17187,7 +17187,7 @@
             </a:pPr>
             <a:r>
               <a:rPr lang="en" dirty="0"/>
-              <a:t>      - Khaled Bahaa-El-Din.</a:t>
+              <a:t>      - Khaled Bahaa-El-Din (2101397)</a:t>
             </a:r>
           </a:p>
           <a:p>
@@ -17202,7 +17202,7 @@
             </a:pPr>
             <a:r>
               <a:rPr lang="en" dirty="0"/>
-              <a:t>      - Abdullah Aml.</a:t>
+              <a:t>      - Abdullah Aml (2101398)</a:t>
             </a:r>
           </a:p>
           <a:p>
@@ -39149,7 +39149,7 @@
                 <a:cs typeface="Arial"/>
                 <a:sym typeface="Arial"/>
               </a:rPr>
-              <a:t>- Khaled Bahaa El-Din</a:t>
+              <a:t>- Khaled Bahaa El-Din (2101397)</a:t>
             </a:r>
           </a:p>
           <a:p>
@@ -39168,10 +39168,13 @@
               </a:rPr>
               <a:t>Aml</a:t>
             </a:r>
-            <a:endParaRPr lang="en-US" sz="1200" dirty="0">
-              <a:cs typeface="Arial"/>
-              <a:sym typeface="Arial"/>
-            </a:endParaRPr>
+            <a:r>
+              <a:rPr lang="en-US" sz="1200" dirty="0">
+                <a:cs typeface="Arial"/>
+                <a:sym typeface="Arial"/>
+              </a:rPr>
+              <a:t> (2101398)</a:t>
+            </a:r>
           </a:p>
         </p:txBody>
       </p:sp>
